--- a/sphinx/img/scoredEvents.pptx
+++ b/sphinx/img/scoredEvents.pptx
@@ -3344,10 +3344,10 @@
       </p:grpSpPr>
       <p:pic>
         <p:nvPicPr>
-          <p:cNvPr id="5" name="Picture 4" descr="Text&#10;&#10;Description automatically generated with medium confidence">
-            <a:extLst>
-              <a:ext uri="{FF2B5EF4-FFF2-40B4-BE49-F238E27FC236}">
-                <a16:creationId xmlns:a16="http://schemas.microsoft.com/office/drawing/2014/main" id="{5997D064-4D40-295A-9FB0-5000C840EA4E}"/>
+          <p:cNvPr id="15" name="Graphic 14" descr="Open folder with solid fill">
+            <a:extLst>
+              <a:ext uri="{FF2B5EF4-FFF2-40B4-BE49-F238E27FC236}">
+                <a16:creationId xmlns:a16="http://schemas.microsoft.com/office/drawing/2014/main" id="{A392EED8-D76C-BEF2-983E-69F38BCE26B1}"/>
               </a:ext>
             </a:extLst>
           </p:cNvPr>
@@ -3357,15 +3357,21 @@
           <p:nvPr/>
         </p:nvPicPr>
         <p:blipFill>
-          <a:blip r:embed="rId2"/>
+          <a:blip r:embed="rId2">
+            <a:extLst>
+              <a:ext uri="{96DAC541-7B7A-43D3-8B79-37D633B846F1}">
+                <asvg:svgBlip xmlns:asvg="http://schemas.microsoft.com/office/drawing/2016/SVG/main" r:embed="rId3"/>
+              </a:ext>
+            </a:extLst>
+          </a:blip>
           <a:stretch>
             <a:fillRect/>
           </a:stretch>
         </p:blipFill>
         <p:spPr>
           <a:xfrm>
-            <a:off x="713509" y="593381"/>
-            <a:ext cx="5638800" cy="2057400"/>
+            <a:off x="2066994" y="203581"/>
+            <a:ext cx="914400" cy="914400"/>
           </a:xfrm>
           <a:prstGeom prst="rect">
             <a:avLst/>
@@ -3374,10 +3380,10 @@
       </p:pic>
       <p:pic>
         <p:nvPicPr>
-          <p:cNvPr id="7" name="Picture 6" descr="Graphical user interface, application&#10;&#10;Description automatically generated">
-            <a:extLst>
-              <a:ext uri="{FF2B5EF4-FFF2-40B4-BE49-F238E27FC236}">
-                <a16:creationId xmlns:a16="http://schemas.microsoft.com/office/drawing/2014/main" id="{62DDB2D8-54AF-6F59-C1E5-D3D9B99770C1}"/>
+          <p:cNvPr id="16" name="Graphic 15" descr="Open folder with solid fill">
+            <a:extLst>
+              <a:ext uri="{FF2B5EF4-FFF2-40B4-BE49-F238E27FC236}">
+                <a16:creationId xmlns:a16="http://schemas.microsoft.com/office/drawing/2014/main" id="{6F97875C-8F7B-F402-6D07-498C5B8B279B}"/>
               </a:ext>
             </a:extLst>
           </p:cNvPr>
@@ -3387,27 +3393,103 @@
           <p:nvPr/>
         </p:nvPicPr>
         <p:blipFill>
-          <a:blip r:embed="rId3"/>
+          <a:blip r:embed="rId2">
+            <a:extLst>
+              <a:ext uri="{96DAC541-7B7A-43D3-8B79-37D633B846F1}">
+                <asvg:svgBlip xmlns:asvg="http://schemas.microsoft.com/office/drawing/2016/SVG/main" r:embed="rId3"/>
+              </a:ext>
+            </a:extLst>
+          </a:blip>
           <a:stretch>
             <a:fillRect/>
           </a:stretch>
         </p:blipFill>
         <p:spPr>
           <a:xfrm>
-            <a:off x="509154" y="3275446"/>
-            <a:ext cx="5950650" cy="1809172"/>
+            <a:off x="2966326" y="953181"/>
+            <a:ext cx="914400" cy="914400"/>
           </a:xfrm>
           <a:prstGeom prst="rect">
             <a:avLst/>
           </a:prstGeom>
         </p:spPr>
       </p:pic>
+      <p:sp>
+        <p:nvSpPr>
+          <p:cNvPr id="17" name="TextBox 16">
+            <a:extLst>
+              <a:ext uri="{FF2B5EF4-FFF2-40B4-BE49-F238E27FC236}">
+                <a16:creationId xmlns:a16="http://schemas.microsoft.com/office/drawing/2014/main" id="{B2B02F03-A542-F5F1-4EE5-A74EFA790FED}"/>
+              </a:ext>
+            </a:extLst>
+          </p:cNvPr>
+          <p:cNvSpPr txBox="1"/>
+          <p:nvPr/>
+        </p:nvSpPr>
+        <p:spPr>
+          <a:xfrm>
+            <a:off x="2055055" y="35311"/>
+            <a:ext cx="1277850" cy="369332"/>
+          </a:xfrm>
+          <a:prstGeom prst="rect">
+            <a:avLst/>
+          </a:prstGeom>
+          <a:noFill/>
+        </p:spPr>
+        <p:txBody>
+          <a:bodyPr wrap="none" rtlCol="0">
+            <a:spAutoFit/>
+          </a:bodyPr>
+          <a:lstStyle/>
+          <a:p>
+            <a:r>
+              <a:rPr lang="en-US" dirty="0"/>
+              <a:t>Main folder</a:t>
+            </a:r>
+          </a:p>
+        </p:txBody>
+      </p:sp>
+      <p:sp>
+        <p:nvSpPr>
+          <p:cNvPr id="18" name="TextBox 17">
+            <a:extLst>
+              <a:ext uri="{FF2B5EF4-FFF2-40B4-BE49-F238E27FC236}">
+                <a16:creationId xmlns:a16="http://schemas.microsoft.com/office/drawing/2014/main" id="{B5B2A35B-8139-31C4-B43C-25B909C894A6}"/>
+              </a:ext>
+            </a:extLst>
+          </p:cNvPr>
+          <p:cNvSpPr txBox="1"/>
+          <p:nvPr/>
+        </p:nvSpPr>
+        <p:spPr>
+          <a:xfrm>
+            <a:off x="2978449" y="750782"/>
+            <a:ext cx="1709058" cy="369332"/>
+          </a:xfrm>
+          <a:prstGeom prst="rect">
+            <a:avLst/>
+          </a:prstGeom>
+          <a:noFill/>
+        </p:spPr>
+        <p:txBody>
+          <a:bodyPr wrap="none" rtlCol="0">
+            <a:spAutoFit/>
+          </a:bodyPr>
+          <a:lstStyle/>
+          <a:p>
+            <a:r>
+              <a:rPr lang="en-US" dirty="0"/>
+              <a:t>Individual folder</a:t>
+            </a:r>
+          </a:p>
+        </p:txBody>
+      </p:sp>
       <p:pic>
         <p:nvPicPr>
-          <p:cNvPr id="9" name="Picture 8" descr="Graphical user interface&#10;&#10;Description automatically generated with medium confidence">
-            <a:extLst>
-              <a:ext uri="{FF2B5EF4-FFF2-40B4-BE49-F238E27FC236}">
-                <a16:creationId xmlns:a16="http://schemas.microsoft.com/office/drawing/2014/main" id="{0039F986-7F4E-AB7B-B2D8-0B68C084B18B}"/>
+          <p:cNvPr id="19" name="Graphic 18" descr="Open folder with solid fill">
+            <a:extLst>
+              <a:ext uri="{FF2B5EF4-FFF2-40B4-BE49-F238E27FC236}">
+                <a16:creationId xmlns:a16="http://schemas.microsoft.com/office/drawing/2014/main" id="{67B875BA-92EF-4DF8-CFE6-C279BF0C2183}"/>
               </a:ext>
             </a:extLst>
           </p:cNvPr>
@@ -3417,15 +3499,21 @@
           <p:nvPr/>
         </p:nvPicPr>
         <p:blipFill>
-          <a:blip r:embed="rId4"/>
+          <a:blip r:embed="rId2">
+            <a:extLst>
+              <a:ext uri="{96DAC541-7B7A-43D3-8B79-37D633B846F1}">
+                <asvg:svgBlip xmlns:asvg="http://schemas.microsoft.com/office/drawing/2016/SVG/main" r:embed="rId3"/>
+              </a:ext>
+            </a:extLst>
+          </a:blip>
           <a:stretch>
             <a:fillRect/>
           </a:stretch>
         </p:blipFill>
         <p:spPr>
           <a:xfrm>
-            <a:off x="630382" y="4774045"/>
-            <a:ext cx="7772400" cy="1547199"/>
+            <a:off x="2990546" y="5379636"/>
+            <a:ext cx="914400" cy="914400"/>
           </a:xfrm>
           <a:prstGeom prst="rect">
             <a:avLst/>
@@ -3434,10 +3522,10 @@
       </p:pic>
       <p:pic>
         <p:nvPicPr>
-          <p:cNvPr id="11" name="Picture 10" descr="Graphical user interface&#10;&#10;Description automatically generated">
-            <a:extLst>
-              <a:ext uri="{FF2B5EF4-FFF2-40B4-BE49-F238E27FC236}">
-                <a16:creationId xmlns:a16="http://schemas.microsoft.com/office/drawing/2014/main" id="{D0DFEEB1-3B5B-4164-5180-6AB3904FAB52}"/>
+          <p:cNvPr id="20" name="Graphic 19" descr="Open folder with solid fill">
+            <a:extLst>
+              <a:ext uri="{FF2B5EF4-FFF2-40B4-BE49-F238E27FC236}">
+                <a16:creationId xmlns:a16="http://schemas.microsoft.com/office/drawing/2014/main" id="{A951DDF2-225E-525A-D9CA-9A45FF7C1B1D}"/>
               </a:ext>
             </a:extLst>
           </p:cNvPr>
@@ -3447,27 +3535,69 @@
           <p:nvPr/>
         </p:nvPicPr>
         <p:blipFill>
-          <a:blip r:embed="rId5"/>
+          <a:blip r:embed="rId2">
+            <a:extLst>
+              <a:ext uri="{96DAC541-7B7A-43D3-8B79-37D633B846F1}">
+                <asvg:svgBlip xmlns:asvg="http://schemas.microsoft.com/office/drawing/2016/SVG/main" r:embed="rId3"/>
+              </a:ext>
+            </a:extLst>
+          </a:blip>
           <a:stretch>
             <a:fillRect/>
           </a:stretch>
         </p:blipFill>
         <p:spPr>
           <a:xfrm>
-            <a:off x="3706091" y="2199470"/>
-            <a:ext cx="7772400" cy="1739782"/>
+            <a:off x="3893078" y="1569269"/>
+            <a:ext cx="914400" cy="914400"/>
           </a:xfrm>
           <a:prstGeom prst="rect">
             <a:avLst/>
           </a:prstGeom>
         </p:spPr>
       </p:pic>
+      <p:sp>
+        <p:nvSpPr>
+          <p:cNvPr id="21" name="TextBox 20">
+            <a:extLst>
+              <a:ext uri="{FF2B5EF4-FFF2-40B4-BE49-F238E27FC236}">
+                <a16:creationId xmlns:a16="http://schemas.microsoft.com/office/drawing/2014/main" id="{6C60810E-0714-3D68-B780-D161CBF2DBD6}"/>
+              </a:ext>
+            </a:extLst>
+          </p:cNvPr>
+          <p:cNvSpPr txBox="1"/>
+          <p:nvPr/>
+        </p:nvSpPr>
+        <p:spPr>
+          <a:xfrm>
+            <a:off x="2999371" y="5199674"/>
+            <a:ext cx="981807" cy="369332"/>
+          </a:xfrm>
+          <a:prstGeom prst="rect">
+            <a:avLst/>
+          </a:prstGeom>
+          <a:noFill/>
+        </p:spPr>
+        <p:txBody>
+          <a:bodyPr wrap="none" rtlCol="0">
+            <a:spAutoFit/>
+          </a:bodyPr>
+          <a:lstStyle/>
+          <a:p>
+            <a:r>
+              <a:rPr lang="en-US" dirty="0" err="1"/>
+              <a:t>pyCodes</a:t>
+            </a:r>
+            <a:endParaRPr lang="en-US" dirty="0"/>
+          </a:p>
+        </p:txBody>
+      </p:sp>
       <p:pic>
         <p:nvPicPr>
-          <p:cNvPr id="13" name="Picture 12" descr="A picture containing graphical user interface&#10;&#10;Description automatically generated">
-            <a:extLst>
-              <a:ext uri="{FF2B5EF4-FFF2-40B4-BE49-F238E27FC236}">
-                <a16:creationId xmlns:a16="http://schemas.microsoft.com/office/drawing/2014/main" id="{B0603D79-DB45-BE1C-BD23-EBDB3F80BF19}"/>
+          <p:cNvPr id="22" name="Graphic 21" descr="Open folder with solid fill">
+            <a:extLst>
+              <a:ext uri="{FF2B5EF4-FFF2-40B4-BE49-F238E27FC236}">
+                <a16:creationId xmlns:a16="http://schemas.microsoft.com/office/drawing/2014/main" id="{066CDAAD-AE37-AA38-CCBE-605E8E933BEB}"/>
               </a:ext>
             </a:extLst>
           </p:cNvPr>
@@ -3477,21 +3607,1103 @@
           <p:nvPr/>
         </p:nvPicPr>
         <p:blipFill>
-          <a:blip r:embed="rId6"/>
+          <a:blip r:embed="rId2">
+            <a:extLst>
+              <a:ext uri="{96DAC541-7B7A-43D3-8B79-37D633B846F1}">
+                <asvg:svgBlip xmlns:asvg="http://schemas.microsoft.com/office/drawing/2016/SVG/main" r:embed="rId3"/>
+              </a:ext>
+            </a:extLst>
+          </a:blip>
           <a:stretch>
             <a:fillRect/>
           </a:stretch>
         </p:blipFill>
         <p:spPr>
           <a:xfrm>
-            <a:off x="4087091" y="3687617"/>
-            <a:ext cx="7010400" cy="1905000"/>
+            <a:off x="3904946" y="4612195"/>
+            <a:ext cx="914400" cy="914400"/>
           </a:xfrm>
           <a:prstGeom prst="rect">
             <a:avLst/>
           </a:prstGeom>
         </p:spPr>
       </p:pic>
+      <p:sp>
+        <p:nvSpPr>
+          <p:cNvPr id="23" name="TextBox 22">
+            <a:extLst>
+              <a:ext uri="{FF2B5EF4-FFF2-40B4-BE49-F238E27FC236}">
+                <a16:creationId xmlns:a16="http://schemas.microsoft.com/office/drawing/2014/main" id="{1A4D093A-6622-6837-00C3-8300D6160E2B}"/>
+              </a:ext>
+            </a:extLst>
+          </p:cNvPr>
+          <p:cNvSpPr txBox="1"/>
+          <p:nvPr/>
+        </p:nvSpPr>
+        <p:spPr>
+          <a:xfrm>
+            <a:off x="4028570" y="1423034"/>
+            <a:ext cx="734496" cy="369332"/>
+          </a:xfrm>
+          <a:prstGeom prst="rect">
+            <a:avLst/>
+          </a:prstGeom>
+          <a:noFill/>
+        </p:spPr>
+        <p:txBody>
+          <a:bodyPr wrap="none" rtlCol="0">
+            <a:spAutoFit/>
+          </a:bodyPr>
+          <a:lstStyle/>
+          <a:p>
+            <a:r>
+              <a:rPr lang="en-US" dirty="0"/>
+              <a:t>ID_01</a:t>
+            </a:r>
+          </a:p>
+        </p:txBody>
+      </p:sp>
+      <p:sp>
+        <p:nvSpPr>
+          <p:cNvPr id="24" name="TextBox 23">
+            <a:extLst>
+              <a:ext uri="{FF2B5EF4-FFF2-40B4-BE49-F238E27FC236}">
+                <a16:creationId xmlns:a16="http://schemas.microsoft.com/office/drawing/2014/main" id="{1F0841BF-331C-3408-07E2-3474D335365F}"/>
+              </a:ext>
+            </a:extLst>
+          </p:cNvPr>
+          <p:cNvSpPr txBox="1"/>
+          <p:nvPr/>
+        </p:nvSpPr>
+        <p:spPr>
+          <a:xfrm>
+            <a:off x="3992654" y="4455279"/>
+            <a:ext cx="734496" cy="369332"/>
+          </a:xfrm>
+          <a:prstGeom prst="rect">
+            <a:avLst/>
+          </a:prstGeom>
+          <a:noFill/>
+        </p:spPr>
+        <p:txBody>
+          <a:bodyPr wrap="none" rtlCol="0">
+            <a:spAutoFit/>
+          </a:bodyPr>
+          <a:lstStyle/>
+          <a:p>
+            <a:r>
+              <a:rPr lang="en-US" dirty="0"/>
+              <a:t>ID_02</a:t>
+            </a:r>
+          </a:p>
+        </p:txBody>
+      </p:sp>
+      <p:cxnSp>
+        <p:nvCxnSpPr>
+          <p:cNvPr id="27" name="Straight Connector 26">
+            <a:extLst>
+              <a:ext uri="{FF2B5EF4-FFF2-40B4-BE49-F238E27FC236}">
+                <a16:creationId xmlns:a16="http://schemas.microsoft.com/office/drawing/2014/main" id="{1B0518B0-A769-911A-DCDB-778B514E067E}"/>
+              </a:ext>
+            </a:extLst>
+          </p:cNvPr>
+          <p:cNvCxnSpPr>
+            <a:cxnSpLocks/>
+          </p:cNvCxnSpPr>
+          <p:nvPr/>
+        </p:nvCxnSpPr>
+        <p:spPr>
+          <a:xfrm flipH="1">
+            <a:off x="2498653" y="935448"/>
+            <a:ext cx="36665" cy="5778288"/>
+          </a:xfrm>
+          <a:prstGeom prst="line">
+            <a:avLst/>
+          </a:prstGeom>
+          <a:ln w="28575">
+            <a:solidFill>
+              <a:schemeClr val="tx1"/>
+            </a:solidFill>
+          </a:ln>
+        </p:spPr>
+        <p:style>
+          <a:lnRef idx="1">
+            <a:schemeClr val="accent1"/>
+          </a:lnRef>
+          <a:fillRef idx="0">
+            <a:schemeClr val="accent1"/>
+          </a:fillRef>
+          <a:effectRef idx="0">
+            <a:schemeClr val="accent1"/>
+          </a:effectRef>
+          <a:fontRef idx="minor">
+            <a:schemeClr val="tx1"/>
+          </a:fontRef>
+        </p:style>
+      </p:cxnSp>
+      <p:sp>
+        <p:nvSpPr>
+          <p:cNvPr id="29" name="TextBox 28">
+            <a:extLst>
+              <a:ext uri="{FF2B5EF4-FFF2-40B4-BE49-F238E27FC236}">
+                <a16:creationId xmlns:a16="http://schemas.microsoft.com/office/drawing/2014/main" id="{BB6ED325-2B3F-72EE-B9FA-1EA989219D96}"/>
+              </a:ext>
+            </a:extLst>
+          </p:cNvPr>
+          <p:cNvSpPr txBox="1"/>
+          <p:nvPr/>
+        </p:nvSpPr>
+        <p:spPr>
+          <a:xfrm>
+            <a:off x="2962381" y="6466902"/>
+            <a:ext cx="1885131" cy="369332"/>
+          </a:xfrm>
+          <a:prstGeom prst="rect">
+            <a:avLst/>
+          </a:prstGeom>
+          <a:noFill/>
+        </p:spPr>
+        <p:txBody>
+          <a:bodyPr wrap="none" rtlCol="0">
+            <a:spAutoFit/>
+          </a:bodyPr>
+          <a:lstStyle/>
+          <a:p>
+            <a:r>
+              <a:rPr lang="en-US" dirty="0" err="1"/>
+              <a:t>TrackingSheet.xlsx</a:t>
+            </a:r>
+            <a:endParaRPr lang="en-US" dirty="0"/>
+          </a:p>
+        </p:txBody>
+      </p:sp>
+      <p:cxnSp>
+        <p:nvCxnSpPr>
+          <p:cNvPr id="30" name="Straight Connector 29">
+            <a:extLst>
+              <a:ext uri="{FF2B5EF4-FFF2-40B4-BE49-F238E27FC236}">
+                <a16:creationId xmlns:a16="http://schemas.microsoft.com/office/drawing/2014/main" id="{C14398C2-16C4-606A-9F1A-EBA3F1FD1E9F}"/>
+              </a:ext>
+            </a:extLst>
+          </p:cNvPr>
+          <p:cNvCxnSpPr>
+            <a:cxnSpLocks/>
+          </p:cNvCxnSpPr>
+          <p:nvPr/>
+        </p:nvCxnSpPr>
+        <p:spPr>
+          <a:xfrm flipH="1">
+            <a:off x="2539263" y="1410381"/>
+            <a:ext cx="595823" cy="0"/>
+          </a:xfrm>
+          <a:prstGeom prst="line">
+            <a:avLst/>
+          </a:prstGeom>
+          <a:ln w="28575">
+            <a:solidFill>
+              <a:schemeClr val="tx1"/>
+            </a:solidFill>
+          </a:ln>
+        </p:spPr>
+        <p:style>
+          <a:lnRef idx="1">
+            <a:schemeClr val="accent1"/>
+          </a:lnRef>
+          <a:fillRef idx="0">
+            <a:schemeClr val="accent1"/>
+          </a:fillRef>
+          <a:effectRef idx="0">
+            <a:schemeClr val="accent1"/>
+          </a:effectRef>
+          <a:fontRef idx="minor">
+            <a:schemeClr val="tx1"/>
+          </a:fontRef>
+        </p:style>
+      </p:cxnSp>
+      <p:cxnSp>
+        <p:nvCxnSpPr>
+          <p:cNvPr id="33" name="Straight Connector 32">
+            <a:extLst>
+              <a:ext uri="{FF2B5EF4-FFF2-40B4-BE49-F238E27FC236}">
+                <a16:creationId xmlns:a16="http://schemas.microsoft.com/office/drawing/2014/main" id="{89FE5DA6-769B-3FBF-2680-0A8DD41FC5DB}"/>
+              </a:ext>
+            </a:extLst>
+          </p:cNvPr>
+          <p:cNvCxnSpPr>
+            <a:cxnSpLocks/>
+          </p:cNvCxnSpPr>
+          <p:nvPr/>
+        </p:nvCxnSpPr>
+        <p:spPr>
+          <a:xfrm flipH="1">
+            <a:off x="2523195" y="5814797"/>
+            <a:ext cx="611891" cy="0"/>
+          </a:xfrm>
+          <a:prstGeom prst="line">
+            <a:avLst/>
+          </a:prstGeom>
+          <a:ln w="28575">
+            <a:solidFill>
+              <a:schemeClr val="tx1"/>
+            </a:solidFill>
+          </a:ln>
+        </p:spPr>
+        <p:style>
+          <a:lnRef idx="1">
+            <a:schemeClr val="accent1"/>
+          </a:lnRef>
+          <a:fillRef idx="0">
+            <a:schemeClr val="accent1"/>
+          </a:fillRef>
+          <a:effectRef idx="0">
+            <a:schemeClr val="accent1"/>
+          </a:effectRef>
+          <a:fontRef idx="minor">
+            <a:schemeClr val="tx1"/>
+          </a:fontRef>
+        </p:style>
+      </p:cxnSp>
+      <p:cxnSp>
+        <p:nvCxnSpPr>
+          <p:cNvPr id="35" name="Straight Connector 34">
+            <a:extLst>
+              <a:ext uri="{FF2B5EF4-FFF2-40B4-BE49-F238E27FC236}">
+                <a16:creationId xmlns:a16="http://schemas.microsoft.com/office/drawing/2014/main" id="{D7CDB0E9-2306-15F6-0135-268B614C6E2B}"/>
+              </a:ext>
+            </a:extLst>
+          </p:cNvPr>
+          <p:cNvCxnSpPr>
+            <a:cxnSpLocks/>
+          </p:cNvCxnSpPr>
+          <p:nvPr/>
+        </p:nvCxnSpPr>
+        <p:spPr>
+          <a:xfrm flipH="1">
+            <a:off x="2512168" y="6713736"/>
+            <a:ext cx="427063" cy="0"/>
+          </a:xfrm>
+          <a:prstGeom prst="line">
+            <a:avLst/>
+          </a:prstGeom>
+          <a:ln w="28575">
+            <a:solidFill>
+              <a:schemeClr val="tx1"/>
+            </a:solidFill>
+          </a:ln>
+        </p:spPr>
+        <p:style>
+          <a:lnRef idx="1">
+            <a:schemeClr val="accent1"/>
+          </a:lnRef>
+          <a:fillRef idx="0">
+            <a:schemeClr val="accent1"/>
+          </a:fillRef>
+          <a:effectRef idx="0">
+            <a:schemeClr val="accent1"/>
+          </a:effectRef>
+          <a:fontRef idx="minor">
+            <a:schemeClr val="tx1"/>
+          </a:fontRef>
+        </p:style>
+      </p:cxnSp>
+      <p:cxnSp>
+        <p:nvCxnSpPr>
+          <p:cNvPr id="36" name="Straight Connector 35">
+            <a:extLst>
+              <a:ext uri="{FF2B5EF4-FFF2-40B4-BE49-F238E27FC236}">
+                <a16:creationId xmlns:a16="http://schemas.microsoft.com/office/drawing/2014/main" id="{0A9F98EA-DAFD-FB47-6D7D-A1759E270710}"/>
+              </a:ext>
+            </a:extLst>
+          </p:cNvPr>
+          <p:cNvCxnSpPr>
+            <a:cxnSpLocks/>
+          </p:cNvCxnSpPr>
+          <p:nvPr/>
+        </p:nvCxnSpPr>
+        <p:spPr>
+          <a:xfrm flipH="1">
+            <a:off x="3351542" y="1666720"/>
+            <a:ext cx="26444" cy="3402675"/>
+          </a:xfrm>
+          <a:prstGeom prst="line">
+            <a:avLst/>
+          </a:prstGeom>
+          <a:ln w="28575">
+            <a:solidFill>
+              <a:schemeClr val="tx1"/>
+            </a:solidFill>
+          </a:ln>
+        </p:spPr>
+        <p:style>
+          <a:lnRef idx="1">
+            <a:schemeClr val="accent1"/>
+          </a:lnRef>
+          <a:fillRef idx="0">
+            <a:schemeClr val="accent1"/>
+          </a:fillRef>
+          <a:effectRef idx="0">
+            <a:schemeClr val="accent1"/>
+          </a:effectRef>
+          <a:fontRef idx="minor">
+            <a:schemeClr val="tx1"/>
+          </a:fontRef>
+        </p:style>
+      </p:cxnSp>
+      <p:cxnSp>
+        <p:nvCxnSpPr>
+          <p:cNvPr id="39" name="Straight Connector 38">
+            <a:extLst>
+              <a:ext uri="{FF2B5EF4-FFF2-40B4-BE49-F238E27FC236}">
+                <a16:creationId xmlns:a16="http://schemas.microsoft.com/office/drawing/2014/main" id="{FA380BEB-DEE0-BE2D-EF72-607110D51D6B}"/>
+              </a:ext>
+            </a:extLst>
+          </p:cNvPr>
+          <p:cNvCxnSpPr>
+            <a:cxnSpLocks/>
+          </p:cNvCxnSpPr>
+          <p:nvPr/>
+        </p:nvCxnSpPr>
+        <p:spPr>
+          <a:xfrm flipH="1">
+            <a:off x="3377986" y="2095286"/>
+            <a:ext cx="614668" cy="0"/>
+          </a:xfrm>
+          <a:prstGeom prst="line">
+            <a:avLst/>
+          </a:prstGeom>
+          <a:ln w="28575">
+            <a:solidFill>
+              <a:schemeClr val="tx1"/>
+            </a:solidFill>
+          </a:ln>
+        </p:spPr>
+        <p:style>
+          <a:lnRef idx="1">
+            <a:schemeClr val="accent1"/>
+          </a:lnRef>
+          <a:fillRef idx="0">
+            <a:schemeClr val="accent1"/>
+          </a:fillRef>
+          <a:effectRef idx="0">
+            <a:schemeClr val="accent1"/>
+          </a:effectRef>
+          <a:fontRef idx="minor">
+            <a:schemeClr val="tx1"/>
+          </a:fontRef>
+        </p:style>
+      </p:cxnSp>
+      <p:cxnSp>
+        <p:nvCxnSpPr>
+          <p:cNvPr id="40" name="Straight Connector 39">
+            <a:extLst>
+              <a:ext uri="{FF2B5EF4-FFF2-40B4-BE49-F238E27FC236}">
+                <a16:creationId xmlns:a16="http://schemas.microsoft.com/office/drawing/2014/main" id="{CA7537BF-52BC-74D3-3788-07DBA887FBA9}"/>
+              </a:ext>
+            </a:extLst>
+          </p:cNvPr>
+          <p:cNvCxnSpPr>
+            <a:cxnSpLocks/>
+          </p:cNvCxnSpPr>
+          <p:nvPr/>
+        </p:nvCxnSpPr>
+        <p:spPr>
+          <a:xfrm flipH="1">
+            <a:off x="3353189" y="5049958"/>
+            <a:ext cx="663806" cy="3028"/>
+          </a:xfrm>
+          <a:prstGeom prst="line">
+            <a:avLst/>
+          </a:prstGeom>
+          <a:ln w="28575">
+            <a:solidFill>
+              <a:schemeClr val="tx1"/>
+            </a:solidFill>
+          </a:ln>
+        </p:spPr>
+        <p:style>
+          <a:lnRef idx="1">
+            <a:schemeClr val="accent1"/>
+          </a:lnRef>
+          <a:fillRef idx="0">
+            <a:schemeClr val="accent1"/>
+          </a:fillRef>
+          <a:effectRef idx="0">
+            <a:schemeClr val="accent1"/>
+          </a:effectRef>
+          <a:fontRef idx="minor">
+            <a:schemeClr val="tx1"/>
+          </a:fontRef>
+        </p:style>
+      </p:cxnSp>
+      <p:sp>
+        <p:nvSpPr>
+          <p:cNvPr id="41" name="TextBox 40">
+            <a:extLst>
+              <a:ext uri="{FF2B5EF4-FFF2-40B4-BE49-F238E27FC236}">
+                <a16:creationId xmlns:a16="http://schemas.microsoft.com/office/drawing/2014/main" id="{B9D262BF-1523-5DB8-A38D-8C27AC316887}"/>
+              </a:ext>
+            </a:extLst>
+          </p:cNvPr>
+          <p:cNvSpPr txBox="1"/>
+          <p:nvPr/>
+        </p:nvSpPr>
+        <p:spPr>
+          <a:xfrm>
+            <a:off x="5050396" y="2120293"/>
+            <a:ext cx="1099981" cy="369332"/>
+          </a:xfrm>
+          <a:prstGeom prst="rect">
+            <a:avLst/>
+          </a:prstGeom>
+          <a:noFill/>
+        </p:spPr>
+        <p:txBody>
+          <a:bodyPr wrap="none" rtlCol="0">
+            <a:spAutoFit/>
+          </a:bodyPr>
+          <a:lstStyle/>
+          <a:p>
+            <a:r>
+              <a:rPr lang="en-US" dirty="0"/>
+              <a:t>ID_01.edf</a:t>
+            </a:r>
+          </a:p>
+        </p:txBody>
+      </p:sp>
+      <p:sp>
+        <p:nvSpPr>
+          <p:cNvPr id="42" name="TextBox 41">
+            <a:extLst>
+              <a:ext uri="{FF2B5EF4-FFF2-40B4-BE49-F238E27FC236}">
+                <a16:creationId xmlns:a16="http://schemas.microsoft.com/office/drawing/2014/main" id="{BDBB7D0E-978E-B1C0-5D91-F37B22147465}"/>
+              </a:ext>
+            </a:extLst>
+          </p:cNvPr>
+          <p:cNvSpPr txBox="1"/>
+          <p:nvPr/>
+        </p:nvSpPr>
+        <p:spPr>
+          <a:xfrm>
+            <a:off x="5029163" y="2464595"/>
+            <a:ext cx="1821332" cy="369332"/>
+          </a:xfrm>
+          <a:prstGeom prst="rect">
+            <a:avLst/>
+          </a:prstGeom>
+          <a:noFill/>
+        </p:spPr>
+        <p:txBody>
+          <a:bodyPr wrap="none" rtlCol="0">
+            <a:spAutoFit/>
+          </a:bodyPr>
+          <a:lstStyle/>
+          <a:p>
+            <a:r>
+              <a:rPr lang="en-US" dirty="0"/>
+              <a:t>ID_01_staging.txt</a:t>
+            </a:r>
+          </a:p>
+        </p:txBody>
+      </p:sp>
+      <p:sp>
+        <p:nvSpPr>
+          <p:cNvPr id="43" name="TextBox 42">
+            <a:extLst>
+              <a:ext uri="{FF2B5EF4-FFF2-40B4-BE49-F238E27FC236}">
+                <a16:creationId xmlns:a16="http://schemas.microsoft.com/office/drawing/2014/main" id="{C6538938-8258-05DE-F60D-64B865ECD424}"/>
+              </a:ext>
+            </a:extLst>
+          </p:cNvPr>
+          <p:cNvSpPr txBox="1"/>
+          <p:nvPr/>
+        </p:nvSpPr>
+        <p:spPr>
+          <a:xfrm>
+            <a:off x="5038446" y="2849513"/>
+            <a:ext cx="1930400" cy="369332"/>
+          </a:xfrm>
+          <a:prstGeom prst="rect">
+            <a:avLst/>
+          </a:prstGeom>
+          <a:noFill/>
+        </p:spPr>
+        <p:txBody>
+          <a:bodyPr wrap="none" rtlCol="0">
+            <a:spAutoFit/>
+          </a:bodyPr>
+          <a:lstStyle/>
+          <a:p>
+            <a:r>
+              <a:rPr lang="en-US" dirty="0"/>
+              <a:t>ID_01_arousals.txt</a:t>
+            </a:r>
+          </a:p>
+        </p:txBody>
+      </p:sp>
+      <p:sp>
+        <p:nvSpPr>
+          <p:cNvPr id="44" name="TextBox 43">
+            <a:extLst>
+              <a:ext uri="{FF2B5EF4-FFF2-40B4-BE49-F238E27FC236}">
+                <a16:creationId xmlns:a16="http://schemas.microsoft.com/office/drawing/2014/main" id="{65EB6A7E-6717-E631-19FA-089840B61FF4}"/>
+              </a:ext>
+            </a:extLst>
+          </p:cNvPr>
+          <p:cNvSpPr txBox="1"/>
+          <p:nvPr/>
+        </p:nvSpPr>
+        <p:spPr>
+          <a:xfrm>
+            <a:off x="5061160" y="3240695"/>
+            <a:ext cx="2363596" cy="369332"/>
+          </a:xfrm>
+          <a:prstGeom prst="rect">
+            <a:avLst/>
+          </a:prstGeom>
+          <a:noFill/>
+        </p:spPr>
+        <p:txBody>
+          <a:bodyPr wrap="none" rtlCol="0">
+            <a:spAutoFit/>
+          </a:bodyPr>
+          <a:lstStyle/>
+          <a:p>
+            <a:r>
+              <a:rPr lang="en-US" dirty="0"/>
+              <a:t>ID_01_noise_scores.txt</a:t>
+            </a:r>
+          </a:p>
+        </p:txBody>
+      </p:sp>
+      <p:cxnSp>
+        <p:nvCxnSpPr>
+          <p:cNvPr id="45" name="Straight Connector 44">
+            <a:extLst>
+              <a:ext uri="{FF2B5EF4-FFF2-40B4-BE49-F238E27FC236}">
+                <a16:creationId xmlns:a16="http://schemas.microsoft.com/office/drawing/2014/main" id="{092CE90B-6DEA-253C-5BB8-24085A8A0248}"/>
+              </a:ext>
+            </a:extLst>
+          </p:cNvPr>
+          <p:cNvCxnSpPr>
+            <a:cxnSpLocks/>
+          </p:cNvCxnSpPr>
+          <p:nvPr/>
+        </p:nvCxnSpPr>
+        <p:spPr>
+          <a:xfrm flipH="1">
+            <a:off x="4369949" y="2304959"/>
+            <a:ext cx="4813" cy="1960015"/>
+          </a:xfrm>
+          <a:prstGeom prst="line">
+            <a:avLst/>
+          </a:prstGeom>
+          <a:ln w="28575">
+            <a:solidFill>
+              <a:schemeClr val="tx1"/>
+            </a:solidFill>
+          </a:ln>
+        </p:spPr>
+        <p:style>
+          <a:lnRef idx="1">
+            <a:schemeClr val="accent1"/>
+          </a:lnRef>
+          <a:fillRef idx="0">
+            <a:schemeClr val="accent1"/>
+          </a:fillRef>
+          <a:effectRef idx="0">
+            <a:schemeClr val="accent1"/>
+          </a:effectRef>
+          <a:fontRef idx="minor">
+            <a:schemeClr val="tx1"/>
+          </a:fontRef>
+        </p:style>
+      </p:cxnSp>
+      <p:pic>
+        <p:nvPicPr>
+          <p:cNvPr id="50" name="Graphic 49" descr="Folder with solid fill">
+            <a:extLst>
+              <a:ext uri="{FF2B5EF4-FFF2-40B4-BE49-F238E27FC236}">
+                <a16:creationId xmlns:a16="http://schemas.microsoft.com/office/drawing/2014/main" id="{A0D40124-731B-61C7-F3FB-EE9CE533D5C5}"/>
+              </a:ext>
+            </a:extLst>
+          </p:cNvPr>
+          <p:cNvPicPr>
+            <a:picLocks noChangeAspect="1"/>
+          </p:cNvPicPr>
+          <p:nvPr/>
+        </p:nvPicPr>
+        <p:blipFill>
+          <a:blip r:embed="rId4">
+            <a:extLst>
+              <a:ext uri="{96DAC541-7B7A-43D3-8B79-37D633B846F1}">
+                <asvg:svgBlip xmlns:asvg="http://schemas.microsoft.com/office/drawing/2016/SVG/main" r:embed="rId5"/>
+              </a:ext>
+            </a:extLst>
+          </a:blip>
+          <a:stretch>
+            <a:fillRect/>
+          </a:stretch>
+        </p:blipFill>
+        <p:spPr>
+          <a:xfrm>
+            <a:off x="4844105" y="3757905"/>
+            <a:ext cx="914400" cy="914400"/>
+          </a:xfrm>
+          <a:prstGeom prst="rect">
+            <a:avLst/>
+          </a:prstGeom>
+        </p:spPr>
+      </p:pic>
+      <p:sp>
+        <p:nvSpPr>
+          <p:cNvPr id="51" name="TextBox 50">
+            <a:extLst>
+              <a:ext uri="{FF2B5EF4-FFF2-40B4-BE49-F238E27FC236}">
+                <a16:creationId xmlns:a16="http://schemas.microsoft.com/office/drawing/2014/main" id="{26E66A84-14BE-E6CD-F41E-47A690852A01}"/>
+              </a:ext>
+            </a:extLst>
+          </p:cNvPr>
+          <p:cNvSpPr txBox="1"/>
+          <p:nvPr/>
+        </p:nvSpPr>
+        <p:spPr>
+          <a:xfrm>
+            <a:off x="4878464" y="3652785"/>
+            <a:ext cx="1060996" cy="369332"/>
+          </a:xfrm>
+          <a:prstGeom prst="rect">
+            <a:avLst/>
+          </a:prstGeom>
+          <a:noFill/>
+        </p:spPr>
+        <p:txBody>
+          <a:bodyPr wrap="none" rtlCol="0">
+            <a:spAutoFit/>
+          </a:bodyPr>
+          <a:lstStyle/>
+          <a:p>
+            <a:r>
+              <a:rPr lang="en-US" dirty="0" err="1"/>
+              <a:t>wonambi</a:t>
+            </a:r>
+            <a:endParaRPr lang="en-US" dirty="0"/>
+          </a:p>
+        </p:txBody>
+      </p:sp>
+      <p:sp>
+        <p:nvSpPr>
+          <p:cNvPr id="52" name="TextBox 51">
+            <a:extLst>
+              <a:ext uri="{FF2B5EF4-FFF2-40B4-BE49-F238E27FC236}">
+                <a16:creationId xmlns:a16="http://schemas.microsoft.com/office/drawing/2014/main" id="{64127CD4-2DFC-C313-3B01-A337C57EEACF}"/>
+              </a:ext>
+            </a:extLst>
+          </p:cNvPr>
+          <p:cNvSpPr txBox="1"/>
+          <p:nvPr/>
+        </p:nvSpPr>
+        <p:spPr>
+          <a:xfrm>
+            <a:off x="5833961" y="5207210"/>
+            <a:ext cx="6146170" cy="369332"/>
+          </a:xfrm>
+          <a:prstGeom prst="rect">
+            <a:avLst/>
+          </a:prstGeom>
+          <a:noFill/>
+        </p:spPr>
+        <p:txBody>
+          <a:bodyPr wrap="none" rtlCol="0">
+            <a:spAutoFit/>
+          </a:bodyPr>
+          <a:lstStyle/>
+          <a:p>
+            <a:r>
+              <a:rPr lang="en-US" dirty="0"/>
+              <a:t>ID_01_E20_slowwave_detsw_Massimini2004_0.10-4.00Hz.csv</a:t>
+            </a:r>
+          </a:p>
+        </p:txBody>
+      </p:sp>
+      <p:sp>
+        <p:nvSpPr>
+          <p:cNvPr id="53" name="TextBox 52">
+            <a:extLst>
+              <a:ext uri="{FF2B5EF4-FFF2-40B4-BE49-F238E27FC236}">
+                <a16:creationId xmlns:a16="http://schemas.microsoft.com/office/drawing/2014/main" id="{C283388E-6A4A-B227-9F06-8CB23911C819}"/>
+              </a:ext>
+            </a:extLst>
+          </p:cNvPr>
+          <p:cNvSpPr txBox="1"/>
+          <p:nvPr/>
+        </p:nvSpPr>
+        <p:spPr>
+          <a:xfrm>
+            <a:off x="5809202" y="4636682"/>
+            <a:ext cx="1128835" cy="369332"/>
+          </a:xfrm>
+          <a:prstGeom prst="rect">
+            <a:avLst/>
+          </a:prstGeom>
+          <a:noFill/>
+        </p:spPr>
+        <p:txBody>
+          <a:bodyPr wrap="none" rtlCol="0">
+            <a:spAutoFit/>
+          </a:bodyPr>
+          <a:lstStyle/>
+          <a:p>
+            <a:r>
+              <a:rPr lang="en-US" dirty="0"/>
+              <a:t>ID_01.xml</a:t>
+            </a:r>
+          </a:p>
+        </p:txBody>
+      </p:sp>
+      <p:cxnSp>
+        <p:nvCxnSpPr>
+          <p:cNvPr id="65" name="Straight Connector 64">
+            <a:extLst>
+              <a:ext uri="{FF2B5EF4-FFF2-40B4-BE49-F238E27FC236}">
+                <a16:creationId xmlns:a16="http://schemas.microsoft.com/office/drawing/2014/main" id="{E1B9DB35-C7BB-13A3-30F1-05AEFE91DDA1}"/>
+              </a:ext>
+            </a:extLst>
+          </p:cNvPr>
+          <p:cNvCxnSpPr>
+            <a:cxnSpLocks/>
+          </p:cNvCxnSpPr>
+          <p:nvPr/>
+        </p:nvCxnSpPr>
+        <p:spPr>
+          <a:xfrm flipH="1">
+            <a:off x="4352994" y="2379034"/>
+            <a:ext cx="614668" cy="0"/>
+          </a:xfrm>
+          <a:prstGeom prst="line">
+            <a:avLst/>
+          </a:prstGeom>
+          <a:ln w="28575">
+            <a:solidFill>
+              <a:schemeClr val="tx1"/>
+            </a:solidFill>
+          </a:ln>
+        </p:spPr>
+        <p:style>
+          <a:lnRef idx="1">
+            <a:schemeClr val="accent1"/>
+          </a:lnRef>
+          <a:fillRef idx="0">
+            <a:schemeClr val="accent1"/>
+          </a:fillRef>
+          <a:effectRef idx="0">
+            <a:schemeClr val="accent1"/>
+          </a:effectRef>
+          <a:fontRef idx="minor">
+            <a:schemeClr val="tx1"/>
+          </a:fontRef>
+        </p:style>
+      </p:cxnSp>
+      <p:cxnSp>
+        <p:nvCxnSpPr>
+          <p:cNvPr id="66" name="Straight Connector 65">
+            <a:extLst>
+              <a:ext uri="{FF2B5EF4-FFF2-40B4-BE49-F238E27FC236}">
+                <a16:creationId xmlns:a16="http://schemas.microsoft.com/office/drawing/2014/main" id="{39E332E4-EF32-2D79-42BF-B7C3E442DEAB}"/>
+              </a:ext>
+            </a:extLst>
+          </p:cNvPr>
+          <p:cNvCxnSpPr>
+            <a:cxnSpLocks/>
+          </p:cNvCxnSpPr>
+          <p:nvPr/>
+        </p:nvCxnSpPr>
+        <p:spPr>
+          <a:xfrm flipH="1">
+            <a:off x="4374762" y="2694721"/>
+            <a:ext cx="614668" cy="0"/>
+          </a:xfrm>
+          <a:prstGeom prst="line">
+            <a:avLst/>
+          </a:prstGeom>
+          <a:ln w="28575">
+            <a:solidFill>
+              <a:schemeClr val="tx1"/>
+            </a:solidFill>
+          </a:ln>
+        </p:spPr>
+        <p:style>
+          <a:lnRef idx="1">
+            <a:schemeClr val="accent1"/>
+          </a:lnRef>
+          <a:fillRef idx="0">
+            <a:schemeClr val="accent1"/>
+          </a:fillRef>
+          <a:effectRef idx="0">
+            <a:schemeClr val="accent1"/>
+          </a:effectRef>
+          <a:fontRef idx="minor">
+            <a:schemeClr val="tx1"/>
+          </a:fontRef>
+        </p:style>
+      </p:cxnSp>
+      <p:cxnSp>
+        <p:nvCxnSpPr>
+          <p:cNvPr id="67" name="Straight Connector 66">
+            <a:extLst>
+              <a:ext uri="{FF2B5EF4-FFF2-40B4-BE49-F238E27FC236}">
+                <a16:creationId xmlns:a16="http://schemas.microsoft.com/office/drawing/2014/main" id="{179E0267-B0E3-274F-FAA1-063C3037A78B}"/>
+              </a:ext>
+            </a:extLst>
+          </p:cNvPr>
+          <p:cNvCxnSpPr>
+            <a:cxnSpLocks/>
+          </p:cNvCxnSpPr>
+          <p:nvPr/>
+        </p:nvCxnSpPr>
+        <p:spPr>
+          <a:xfrm flipH="1">
+            <a:off x="4380201" y="3010408"/>
+            <a:ext cx="614668" cy="0"/>
+          </a:xfrm>
+          <a:prstGeom prst="line">
+            <a:avLst/>
+          </a:prstGeom>
+          <a:ln w="28575">
+            <a:solidFill>
+              <a:schemeClr val="tx1"/>
+            </a:solidFill>
+          </a:ln>
+        </p:spPr>
+        <p:style>
+          <a:lnRef idx="1">
+            <a:schemeClr val="accent1"/>
+          </a:lnRef>
+          <a:fillRef idx="0">
+            <a:schemeClr val="accent1"/>
+          </a:fillRef>
+          <a:effectRef idx="0">
+            <a:schemeClr val="accent1"/>
+          </a:effectRef>
+          <a:fontRef idx="minor">
+            <a:schemeClr val="tx1"/>
+          </a:fontRef>
+        </p:style>
+      </p:cxnSp>
+      <p:cxnSp>
+        <p:nvCxnSpPr>
+          <p:cNvPr id="68" name="Straight Connector 67">
+            <a:extLst>
+              <a:ext uri="{FF2B5EF4-FFF2-40B4-BE49-F238E27FC236}">
+                <a16:creationId xmlns:a16="http://schemas.microsoft.com/office/drawing/2014/main" id="{882DB3E5-FD80-EED4-854A-23D2186BA01D}"/>
+              </a:ext>
+            </a:extLst>
+          </p:cNvPr>
+          <p:cNvCxnSpPr>
+            <a:cxnSpLocks/>
+          </p:cNvCxnSpPr>
+          <p:nvPr/>
+        </p:nvCxnSpPr>
+        <p:spPr>
+          <a:xfrm flipH="1">
+            <a:off x="4385641" y="3407738"/>
+            <a:ext cx="614668" cy="0"/>
+          </a:xfrm>
+          <a:prstGeom prst="line">
+            <a:avLst/>
+          </a:prstGeom>
+          <a:ln w="28575">
+            <a:solidFill>
+              <a:schemeClr val="tx1"/>
+            </a:solidFill>
+          </a:ln>
+        </p:spPr>
+        <p:style>
+          <a:lnRef idx="1">
+            <a:schemeClr val="accent1"/>
+          </a:lnRef>
+          <a:fillRef idx="0">
+            <a:schemeClr val="accent1"/>
+          </a:fillRef>
+          <a:effectRef idx="0">
+            <a:schemeClr val="accent1"/>
+          </a:effectRef>
+          <a:fontRef idx="minor">
+            <a:schemeClr val="tx1"/>
+          </a:fontRef>
+        </p:style>
+      </p:cxnSp>
+      <p:cxnSp>
+        <p:nvCxnSpPr>
+          <p:cNvPr id="69" name="Straight Connector 68">
+            <a:extLst>
+              <a:ext uri="{FF2B5EF4-FFF2-40B4-BE49-F238E27FC236}">
+                <a16:creationId xmlns:a16="http://schemas.microsoft.com/office/drawing/2014/main" id="{4A9F55B3-F66F-4DE6-16A2-07E6E5222618}"/>
+              </a:ext>
+            </a:extLst>
+          </p:cNvPr>
+          <p:cNvCxnSpPr>
+            <a:cxnSpLocks/>
+          </p:cNvCxnSpPr>
+          <p:nvPr/>
+        </p:nvCxnSpPr>
+        <p:spPr>
+          <a:xfrm flipH="1">
+            <a:off x="4352994" y="4232826"/>
+            <a:ext cx="614668" cy="0"/>
+          </a:xfrm>
+          <a:prstGeom prst="line">
+            <a:avLst/>
+          </a:prstGeom>
+          <a:ln w="28575">
+            <a:solidFill>
+              <a:schemeClr val="tx1"/>
+            </a:solidFill>
+          </a:ln>
+        </p:spPr>
+        <p:style>
+          <a:lnRef idx="1">
+            <a:schemeClr val="accent1"/>
+          </a:lnRef>
+          <a:fillRef idx="0">
+            <a:schemeClr val="accent1"/>
+          </a:fillRef>
+          <a:effectRef idx="0">
+            <a:schemeClr val="accent1"/>
+          </a:effectRef>
+          <a:fontRef idx="minor">
+            <a:schemeClr val="tx1"/>
+          </a:fontRef>
+        </p:style>
+      </p:cxnSp>
+      <p:cxnSp>
+        <p:nvCxnSpPr>
+          <p:cNvPr id="70" name="Straight Connector 69">
+            <a:extLst>
+              <a:ext uri="{FF2B5EF4-FFF2-40B4-BE49-F238E27FC236}">
+                <a16:creationId xmlns:a16="http://schemas.microsoft.com/office/drawing/2014/main" id="{D5031F8A-C7FB-5620-0B41-596343ED4BCD}"/>
+              </a:ext>
+            </a:extLst>
+          </p:cNvPr>
+          <p:cNvCxnSpPr>
+            <a:cxnSpLocks/>
+          </p:cNvCxnSpPr>
+          <p:nvPr/>
+        </p:nvCxnSpPr>
+        <p:spPr>
+          <a:xfrm flipH="1">
+            <a:off x="5339616" y="4844156"/>
+            <a:ext cx="418410" cy="0"/>
+          </a:xfrm>
+          <a:prstGeom prst="line">
+            <a:avLst/>
+          </a:prstGeom>
+          <a:ln w="28575">
+            <a:solidFill>
+              <a:schemeClr val="tx1"/>
+            </a:solidFill>
+          </a:ln>
+        </p:spPr>
+        <p:style>
+          <a:lnRef idx="1">
+            <a:schemeClr val="accent1"/>
+          </a:lnRef>
+          <a:fillRef idx="0">
+            <a:schemeClr val="accent1"/>
+          </a:fillRef>
+          <a:effectRef idx="0">
+            <a:schemeClr val="accent1"/>
+          </a:effectRef>
+          <a:fontRef idx="minor">
+            <a:schemeClr val="tx1"/>
+          </a:fontRef>
+        </p:style>
+      </p:cxnSp>
+      <p:cxnSp>
+        <p:nvCxnSpPr>
+          <p:cNvPr id="72" name="Straight Connector 71">
+            <a:extLst>
+              <a:ext uri="{FF2B5EF4-FFF2-40B4-BE49-F238E27FC236}">
+                <a16:creationId xmlns:a16="http://schemas.microsoft.com/office/drawing/2014/main" id="{1D7EFD83-0AAB-B5B0-0D21-0F50C3205E60}"/>
+              </a:ext>
+            </a:extLst>
+          </p:cNvPr>
+          <p:cNvCxnSpPr>
+            <a:cxnSpLocks/>
+          </p:cNvCxnSpPr>
+          <p:nvPr/>
+        </p:nvCxnSpPr>
+        <p:spPr>
+          <a:xfrm flipH="1">
+            <a:off x="5339616" y="5387174"/>
+            <a:ext cx="418410" cy="0"/>
+          </a:xfrm>
+          <a:prstGeom prst="line">
+            <a:avLst/>
+          </a:prstGeom>
+          <a:ln w="28575">
+            <a:solidFill>
+              <a:schemeClr val="tx1"/>
+            </a:solidFill>
+          </a:ln>
+        </p:spPr>
+        <p:style>
+          <a:lnRef idx="1">
+            <a:schemeClr val="accent1"/>
+          </a:lnRef>
+          <a:fillRef idx="0">
+            <a:schemeClr val="accent1"/>
+          </a:fillRef>
+          <a:effectRef idx="0">
+            <a:schemeClr val="accent1"/>
+          </a:effectRef>
+          <a:fontRef idx="minor">
+            <a:schemeClr val="tx1"/>
+          </a:fontRef>
+        </p:style>
+      </p:cxnSp>
+      <p:cxnSp>
+        <p:nvCxnSpPr>
+          <p:cNvPr id="73" name="Straight Connector 72">
+            <a:extLst>
+              <a:ext uri="{FF2B5EF4-FFF2-40B4-BE49-F238E27FC236}">
+                <a16:creationId xmlns:a16="http://schemas.microsoft.com/office/drawing/2014/main" id="{CEF727ED-1ED7-664B-44BB-9A12A63768DC}"/>
+              </a:ext>
+            </a:extLst>
+          </p:cNvPr>
+          <p:cNvCxnSpPr>
+            <a:cxnSpLocks/>
+          </p:cNvCxnSpPr>
+          <p:nvPr/>
+        </p:nvCxnSpPr>
+        <p:spPr>
+          <a:xfrm>
+            <a:off x="5326653" y="4471608"/>
+            <a:ext cx="0" cy="1381557"/>
+          </a:xfrm>
+          <a:prstGeom prst="line">
+            <a:avLst/>
+          </a:prstGeom>
+          <a:ln w="28575">
+            <a:solidFill>
+              <a:schemeClr val="tx1"/>
+            </a:solidFill>
+          </a:ln>
+        </p:spPr>
+        <p:style>
+          <a:lnRef idx="1">
+            <a:schemeClr val="accent1"/>
+          </a:lnRef>
+          <a:fillRef idx="0">
+            <a:schemeClr val="accent1"/>
+          </a:fillRef>
+          <a:effectRef idx="0">
+            <a:schemeClr val="accent1"/>
+          </a:effectRef>
+          <a:fontRef idx="minor">
+            <a:schemeClr val="tx1"/>
+          </a:fontRef>
+        </p:style>
+      </p:cxnSp>
     </p:spTree>
     <p:extLst>
       <p:ext uri="{BB962C8B-B14F-4D97-AF65-F5344CB8AC3E}">
